--- a/Kelompok 5 proyek 1.pptx
+++ b/Kelompok 5 proyek 1.pptx
@@ -7,11 +7,10 @@
   <p:sldIdLst>
     <p:sldId id="256" r:id="rId2"/>
     <p:sldId id="257" r:id="rId3"/>
-    <p:sldId id="258" r:id="rId4"/>
-    <p:sldId id="260" r:id="rId5"/>
-    <p:sldId id="262" r:id="rId6"/>
-    <p:sldId id="259" r:id="rId7"/>
-    <p:sldId id="261" r:id="rId8"/>
+    <p:sldId id="260" r:id="rId4"/>
+    <p:sldId id="262" r:id="rId5"/>
+    <p:sldId id="259" r:id="rId6"/>
+    <p:sldId id="261" r:id="rId7"/>
   </p:sldIdLst>
   <p:sldSz cx="12192000" cy="6858000"/>
   <p:notesSz cx="6858000" cy="9144000"/>
@@ -3931,6 +3930,13 @@
   <p:clrMapOvr>
     <a:masterClrMapping/>
   </p:clrMapOvr>
+  <p:timing>
+    <p:tnLst>
+      <p:par>
+        <p:cTn id="1" dur="indefinite" restart="never" nodeType="tmRoot"/>
+      </p:par>
+    </p:tnLst>
+  </p:timing>
 </p:sld>
 </file>
 
@@ -4140,232 +4146,17 @@
   <p:clrMapOvr>
     <a:masterClrMapping/>
   </p:clrMapOvr>
+  <p:timing>
+    <p:tnLst>
+      <p:par>
+        <p:cTn id="1" dur="indefinite" restart="never" nodeType="tmRoot"/>
+      </p:par>
+    </p:tnLst>
+  </p:timing>
 </p:sld>
 </file>
 
 <file path=ppt/slides/slide3.xml><?xml version="1.0" encoding="utf-8"?>
-<p:sld xmlns:a="http://schemas.openxmlformats.org/drawingml/2006/main" xmlns:r="http://schemas.openxmlformats.org/officeDocument/2006/relationships" xmlns:p="http://schemas.openxmlformats.org/presentationml/2006/main">
-  <p:cSld>
-    <p:spTree>
-      <p:nvGrpSpPr>
-        <p:cNvPr id="1" name=""/>
-        <p:cNvGrpSpPr/>
-        <p:nvPr/>
-      </p:nvGrpSpPr>
-      <p:grpSpPr>
-        <a:xfrm>
-          <a:off x="0" y="0"/>
-          <a:ext cx="0" cy="0"/>
-          <a:chOff x="0" y="0"/>
-          <a:chExt cx="0" cy="0"/>
-        </a:xfrm>
-      </p:grpSpPr>
-      <p:sp>
-        <p:nvSpPr>
-          <p:cNvPr id="2" name="Title 1"/>
-          <p:cNvSpPr>
-            <a:spLocks noGrp="1"/>
-          </p:cNvSpPr>
-          <p:nvPr>
-            <p:ph type="title"/>
-          </p:nvPr>
-        </p:nvSpPr>
-        <p:spPr/>
-        <p:txBody>
-          <a:bodyPr/>
-          <a:lstStyle/>
-          <a:p>
-            <a:r>
-              <a:rPr lang="en-US" i="1" dirty="0"/>
-              <a:t>Bitcoin</a:t>
-            </a:r>
-            <a:endParaRPr lang="en-US" b="1" dirty="0"/>
-          </a:p>
-        </p:txBody>
-      </p:sp>
-      <p:sp>
-        <p:nvSpPr>
-          <p:cNvPr id="3" name="Content Placeholder 2"/>
-          <p:cNvSpPr>
-            <a:spLocks noGrp="1"/>
-          </p:cNvSpPr>
-          <p:nvPr>
-            <p:ph idx="1"/>
-          </p:nvPr>
-        </p:nvSpPr>
-        <p:spPr/>
-        <p:txBody>
-          <a:bodyPr>
-            <a:noAutofit/>
-          </a:bodyPr>
-          <a:lstStyle/>
-          <a:p>
-            <a:pPr marL="0" indent="0">
-              <a:buNone/>
-            </a:pPr>
-            <a:r>
-              <a:rPr lang="en-US" sz="2800" dirty="0" smtClean="0"/>
-              <a:t>	Mata </a:t>
-            </a:r>
-            <a:r>
-              <a:rPr lang="en-US" sz="2800" dirty="0" err="1"/>
-              <a:t>uang</a:t>
-            </a:r>
-            <a:r>
-              <a:rPr lang="en-US" sz="2800" dirty="0"/>
-              <a:t> digital yang </a:t>
-            </a:r>
-            <a:r>
-              <a:rPr lang="en-US" sz="2800" dirty="0" err="1"/>
-              <a:t>merupakan</a:t>
-            </a:r>
-            <a:r>
-              <a:rPr lang="en-US" sz="2800" dirty="0"/>
-              <a:t> </a:t>
-            </a:r>
-            <a:r>
-              <a:rPr lang="en-US" sz="2800" dirty="0" err="1"/>
-              <a:t>pokok</a:t>
-            </a:r>
-            <a:r>
-              <a:rPr lang="en-US" sz="2800" dirty="0"/>
-              <a:t> </a:t>
-            </a:r>
-            <a:r>
-              <a:rPr lang="en-US" sz="2800" dirty="0" err="1"/>
-              <a:t>pembahasan</a:t>
-            </a:r>
-            <a:endParaRPr lang="en-US" sz="2800" dirty="0"/>
-          </a:p>
-          <a:p>
-            <a:pPr marL="0" indent="0">
-              <a:buNone/>
-            </a:pPr>
-            <a:r>
-              <a:rPr lang="en-US" sz="2800" dirty="0" smtClean="0"/>
-              <a:t>Di</a:t>
-            </a:r>
-            <a:r>
-              <a:rPr lang="id-ID" sz="2800" dirty="0" smtClean="0"/>
-              <a:t> proyek</a:t>
-            </a:r>
-            <a:r>
-              <a:rPr lang="en-US" sz="2800" dirty="0" smtClean="0"/>
-              <a:t> </a:t>
-            </a:r>
-            <a:r>
-              <a:rPr lang="en-US" sz="2800" dirty="0" err="1"/>
-              <a:t>ini</a:t>
-            </a:r>
-            <a:r>
-              <a:rPr lang="en-US" sz="2800" dirty="0"/>
-              <a:t> </a:t>
-            </a:r>
-            <a:r>
-              <a:rPr lang="en-US" sz="2800" dirty="0" err="1"/>
-              <a:t>menggunakan</a:t>
-            </a:r>
-            <a:r>
-              <a:rPr lang="en-US" sz="2800" dirty="0"/>
-              <a:t> </a:t>
-            </a:r>
-            <a:r>
-              <a:rPr lang="en-US" sz="2800" i="1" dirty="0" err="1"/>
-              <a:t>hashcash</a:t>
-            </a:r>
-            <a:r>
-              <a:rPr lang="en-US" sz="2800" i="1" dirty="0"/>
-              <a:t> proof-of-work</a:t>
-            </a:r>
-          </a:p>
-          <a:p>
-            <a:pPr marL="0" indent="0">
-              <a:buNone/>
-            </a:pPr>
-            <a:r>
-              <a:rPr lang="en-US" sz="2800" dirty="0" err="1" smtClean="0"/>
-              <a:t>untuk</a:t>
-            </a:r>
-            <a:r>
-              <a:rPr lang="en-US" sz="2800" dirty="0" smtClean="0"/>
-              <a:t> </a:t>
-            </a:r>
-            <a:r>
-              <a:rPr lang="en-US" sz="2800" dirty="0" err="1"/>
-              <a:t>keamanannya</a:t>
-            </a:r>
-            <a:r>
-              <a:rPr lang="en-US" sz="2800" dirty="0"/>
-              <a:t> </a:t>
-            </a:r>
-            <a:r>
-              <a:rPr lang="en-US" sz="2800" dirty="0" err="1"/>
-              <a:t>dalam</a:t>
-            </a:r>
-            <a:r>
-              <a:rPr lang="en-US" sz="2800" dirty="0"/>
-              <a:t> </a:t>
-            </a:r>
-            <a:r>
-              <a:rPr lang="en-US" sz="2800" dirty="0" err="1"/>
-              <a:t>bertransaksi</a:t>
-            </a:r>
-            <a:r>
-              <a:rPr lang="en-US" sz="2800" dirty="0"/>
-              <a:t>. </a:t>
-            </a:r>
-            <a:r>
-              <a:rPr lang="en-US" sz="2800" dirty="0" err="1"/>
-              <a:t>Baik</a:t>
-            </a:r>
-            <a:r>
-              <a:rPr lang="en-US" sz="2800" dirty="0"/>
-              <a:t> </a:t>
-            </a:r>
-            <a:r>
-              <a:rPr lang="en-US" sz="2800" i="1" dirty="0" err="1"/>
-              <a:t>hashcash</a:t>
-            </a:r>
-            <a:endParaRPr lang="en-US" sz="2800" i="1" dirty="0"/>
-          </a:p>
-          <a:p>
-            <a:pPr marL="0" indent="0">
-              <a:buNone/>
-            </a:pPr>
-            <a:r>
-              <a:rPr lang="en-US" sz="2800" dirty="0" err="1"/>
-              <a:t>maupun</a:t>
-            </a:r>
-            <a:r>
-              <a:rPr lang="en-US" sz="2800" dirty="0"/>
-              <a:t> </a:t>
-            </a:r>
-            <a:r>
-              <a:rPr lang="en-US" sz="2800" i="1" dirty="0" smtClean="0"/>
-              <a:t>proof-of-work</a:t>
-            </a:r>
-            <a:r>
-              <a:rPr lang="id-ID" sz="2800" i="1" dirty="0" smtClean="0"/>
-              <a:t>.</a:t>
-            </a:r>
-            <a:endParaRPr lang="en-US" sz="2800" dirty="0"/>
-          </a:p>
-        </p:txBody>
-      </p:sp>
-    </p:spTree>
-    <p:extLst>
-      <p:ext uri="{BB962C8B-B14F-4D97-AF65-F5344CB8AC3E}">
-        <p14:creationId xmlns:p14="http://schemas.microsoft.com/office/powerpoint/2010/main" val="745246235"/>
-      </p:ext>
-    </p:extLst>
-  </p:cSld>
-  <p:clrMapOvr>
-    <a:masterClrMapping/>
-  </p:clrMapOvr>
-</p:sld>
-</file>
-
-<file path=ppt/slides/slide4.xml><?xml version="1.0" encoding="utf-8"?>
 <p:sld xmlns:a="http://schemas.openxmlformats.org/drawingml/2006/main" xmlns:r="http://schemas.openxmlformats.org/officeDocument/2006/relationships" xmlns:p="http://schemas.openxmlformats.org/presentationml/2006/main">
   <p:cSld>
     <p:spTree>
@@ -4421,10 +4212,17 @@
   <p:clrMapOvr>
     <a:masterClrMapping/>
   </p:clrMapOvr>
+  <p:timing>
+    <p:tnLst>
+      <p:par>
+        <p:cTn id="1" dur="indefinite" restart="never" nodeType="tmRoot"/>
+      </p:par>
+    </p:tnLst>
+  </p:timing>
 </p:sld>
 </file>
 
-<file path=ppt/slides/slide5.xml><?xml version="1.0" encoding="utf-8"?>
+<file path=ppt/slides/slide4.xml><?xml version="1.0" encoding="utf-8"?>
 <p:sld xmlns:a="http://schemas.openxmlformats.org/drawingml/2006/main" xmlns:r="http://schemas.openxmlformats.org/officeDocument/2006/relationships" xmlns:p="http://schemas.openxmlformats.org/presentationml/2006/main">
   <p:cSld>
     <p:spTree>
@@ -4513,6 +4311,347 @@
   <p:clrMapOvr>
     <a:masterClrMapping/>
   </p:clrMapOvr>
+  <p:timing>
+    <p:tnLst>
+      <p:par>
+        <p:cTn id="1" dur="indefinite" restart="never" nodeType="tmRoot"/>
+      </p:par>
+    </p:tnLst>
+  </p:timing>
+</p:sld>
+</file>
+
+<file path=ppt/slides/slide5.xml><?xml version="1.0" encoding="utf-8"?>
+<p:sld xmlns:a="http://schemas.openxmlformats.org/drawingml/2006/main" xmlns:r="http://schemas.openxmlformats.org/officeDocument/2006/relationships" xmlns:p="http://schemas.openxmlformats.org/presentationml/2006/main">
+  <p:cSld>
+    <p:spTree>
+      <p:nvGrpSpPr>
+        <p:cNvPr id="1" name=""/>
+        <p:cNvGrpSpPr/>
+        <p:nvPr/>
+      </p:nvGrpSpPr>
+      <p:grpSpPr>
+        <a:xfrm>
+          <a:off x="0" y="0"/>
+          <a:ext cx="0" cy="0"/>
+          <a:chOff x="0" y="0"/>
+          <a:chExt cx="0" cy="0"/>
+        </a:xfrm>
+      </p:grpSpPr>
+      <p:sp>
+        <p:nvSpPr>
+          <p:cNvPr id="2" name="Title 1"/>
+          <p:cNvSpPr>
+            <a:spLocks noGrp="1"/>
+          </p:cNvSpPr>
+          <p:nvPr>
+            <p:ph type="title"/>
+          </p:nvPr>
+        </p:nvSpPr>
+        <p:spPr/>
+        <p:txBody>
+          <a:bodyPr/>
+          <a:lstStyle/>
+          <a:p>
+            <a:r>
+              <a:rPr lang="en-US" dirty="0" smtClean="0"/>
+              <a:t>FITUR</a:t>
+            </a:r>
+            <a:endParaRPr lang="en-US" dirty="0"/>
+          </a:p>
+        </p:txBody>
+      </p:sp>
+      <p:sp>
+        <p:nvSpPr>
+          <p:cNvPr id="3" name="Content Placeholder 2"/>
+          <p:cNvSpPr>
+            <a:spLocks noGrp="1"/>
+          </p:cNvSpPr>
+          <p:nvPr>
+            <p:ph idx="1"/>
+          </p:nvPr>
+        </p:nvSpPr>
+        <p:spPr/>
+        <p:txBody>
+          <a:bodyPr/>
+          <a:lstStyle/>
+          <a:p>
+            <a:r>
+              <a:rPr lang="en-US" dirty="0" err="1"/>
+              <a:t>Pada</a:t>
+            </a:r>
+            <a:r>
+              <a:rPr lang="en-US" dirty="0"/>
+              <a:t> </a:t>
+            </a:r>
+            <a:r>
+              <a:rPr lang="en-US" dirty="0" err="1"/>
+              <a:t>aplikasi</a:t>
+            </a:r>
+            <a:r>
+              <a:rPr lang="en-US" dirty="0"/>
+              <a:t> yang </a:t>
+            </a:r>
+            <a:r>
+              <a:rPr lang="en-US" dirty="0" err="1"/>
+              <a:t>akan</a:t>
+            </a:r>
+            <a:r>
+              <a:rPr lang="en-US" dirty="0"/>
+              <a:t> kami </a:t>
+            </a:r>
+            <a:r>
+              <a:rPr lang="en-US" dirty="0" err="1"/>
+              <a:t>buat</a:t>
+            </a:r>
+            <a:r>
+              <a:rPr lang="en-US" dirty="0"/>
+              <a:t> </a:t>
+            </a:r>
+            <a:r>
+              <a:rPr lang="en-US" dirty="0" err="1"/>
+              <a:t>terdapat</a:t>
+            </a:r>
+            <a:r>
+              <a:rPr lang="en-US" dirty="0"/>
+              <a:t> </a:t>
+            </a:r>
+            <a:r>
+              <a:rPr lang="en-US" dirty="0" err="1"/>
+              <a:t>beberapa</a:t>
+            </a:r>
+            <a:r>
+              <a:rPr lang="en-US" dirty="0"/>
+              <a:t> </a:t>
+            </a:r>
+            <a:r>
+              <a:rPr lang="en-US" dirty="0" err="1"/>
+              <a:t>fitur</a:t>
+            </a:r>
+            <a:r>
+              <a:rPr lang="en-US" dirty="0"/>
+              <a:t> </a:t>
+            </a:r>
+            <a:r>
+              <a:rPr lang="en-US" dirty="0" err="1"/>
+              <a:t>diantaranya</a:t>
+            </a:r>
+            <a:r>
+              <a:rPr lang="en-US" dirty="0"/>
+              <a:t> </a:t>
+            </a:r>
+            <a:r>
+              <a:rPr lang="en-US" dirty="0" err="1"/>
+              <a:t>adalah</a:t>
+            </a:r>
+            <a:r>
+              <a:rPr lang="en-US" dirty="0"/>
+              <a:t> : </a:t>
+            </a:r>
+          </a:p>
+          <a:p>
+            <a:pPr lvl="0"/>
+            <a:r>
+              <a:rPr lang="en-US" dirty="0" err="1"/>
+              <a:t>Seputar</a:t>
+            </a:r>
+            <a:r>
+              <a:rPr lang="en-US" dirty="0"/>
+              <a:t>(</a:t>
+            </a:r>
+            <a:r>
+              <a:rPr lang="en-US" dirty="0" err="1"/>
+              <a:t>informasi</a:t>
+            </a:r>
+            <a:r>
+              <a:rPr lang="en-US" dirty="0"/>
+              <a:t> </a:t>
+            </a:r>
+            <a:r>
+              <a:rPr lang="en-US" dirty="0" err="1"/>
+              <a:t>singkat</a:t>
+            </a:r>
+            <a:r>
+              <a:rPr lang="en-US" dirty="0"/>
+              <a:t>) </a:t>
+            </a:r>
+            <a:r>
+              <a:rPr lang="en-US" dirty="0" smtClean="0"/>
+              <a:t>cryptocurrency.</a:t>
+            </a:r>
+            <a:endParaRPr lang="en-US" dirty="0"/>
+          </a:p>
+          <a:p>
+            <a:pPr lvl="0"/>
+            <a:r>
+              <a:rPr lang="en-US" dirty="0" err="1"/>
+              <a:t>Sistem</a:t>
+            </a:r>
+            <a:r>
+              <a:rPr lang="en-US" dirty="0"/>
+              <a:t> </a:t>
+            </a:r>
+            <a:r>
+              <a:rPr lang="en-US" dirty="0" err="1"/>
+              <a:t>pembanding</a:t>
+            </a:r>
+            <a:r>
+              <a:rPr lang="en-US" dirty="0"/>
+              <a:t> </a:t>
+            </a:r>
+            <a:r>
+              <a:rPr lang="en-US" dirty="0" err="1"/>
+              <a:t>antara</a:t>
+            </a:r>
+            <a:r>
+              <a:rPr lang="en-US" dirty="0"/>
+              <a:t> cryptocurrency </a:t>
+            </a:r>
+            <a:r>
+              <a:rPr lang="en-US" dirty="0" err="1"/>
+              <a:t>satu</a:t>
+            </a:r>
+            <a:r>
+              <a:rPr lang="en-US" dirty="0"/>
+              <a:t> </a:t>
+            </a:r>
+            <a:r>
+              <a:rPr lang="en-US" dirty="0" err="1"/>
+              <a:t>dan</a:t>
+            </a:r>
+            <a:r>
+              <a:rPr lang="en-US" dirty="0"/>
+              <a:t> </a:t>
+            </a:r>
+            <a:r>
+              <a:rPr lang="en-US" dirty="0" err="1"/>
+              <a:t>lainnya</a:t>
+            </a:r>
+            <a:r>
+              <a:rPr lang="en-US" dirty="0"/>
+              <a:t>.</a:t>
+            </a:r>
+          </a:p>
+          <a:p>
+            <a:pPr lvl="0"/>
+            <a:r>
+              <a:rPr lang="en-US" dirty="0" err="1" smtClean="0"/>
+              <a:t>Informasi</a:t>
+            </a:r>
+            <a:r>
+              <a:rPr lang="en-US" dirty="0" smtClean="0"/>
+              <a:t> </a:t>
+            </a:r>
+            <a:r>
+              <a:rPr lang="en-US" dirty="0" err="1" smtClean="0"/>
+              <a:t>mengenai</a:t>
+            </a:r>
+            <a:r>
+              <a:rPr lang="en-US" dirty="0" smtClean="0"/>
+              <a:t> </a:t>
+            </a:r>
+            <a:r>
+              <a:rPr lang="en-US" dirty="0" err="1"/>
+              <a:t>transaksi</a:t>
+            </a:r>
+            <a:r>
+              <a:rPr lang="en-US" dirty="0"/>
+              <a:t> </a:t>
+            </a:r>
+            <a:r>
+              <a:rPr lang="en-US" dirty="0" err="1"/>
+              <a:t>dan</a:t>
+            </a:r>
+            <a:r>
+              <a:rPr lang="en-US" dirty="0"/>
+              <a:t> trading cryptocurrency</a:t>
+            </a:r>
+          </a:p>
+          <a:p>
+            <a:pPr lvl="0"/>
+            <a:r>
+              <a:rPr lang="en-US" dirty="0"/>
+              <a:t>Recommender Trading.</a:t>
+            </a:r>
+          </a:p>
+          <a:p>
+            <a:pPr lvl="0"/>
+            <a:r>
+              <a:rPr lang="en-US" dirty="0" err="1"/>
+              <a:t>Dampak</a:t>
+            </a:r>
+            <a:r>
+              <a:rPr lang="en-US" dirty="0"/>
+              <a:t> </a:t>
+            </a:r>
+            <a:r>
+              <a:rPr lang="en-US" dirty="0" err="1"/>
+              <a:t>terhadap</a:t>
+            </a:r>
+            <a:r>
+              <a:rPr lang="en-US" dirty="0"/>
+              <a:t> </a:t>
+            </a:r>
+            <a:r>
+              <a:rPr lang="en-US" dirty="0" err="1"/>
+              <a:t>pasar</a:t>
+            </a:r>
+            <a:r>
+              <a:rPr lang="en-US" dirty="0"/>
+              <a:t> hardware (</a:t>
+            </a:r>
+            <a:r>
+              <a:rPr lang="en-US" dirty="0" err="1"/>
+              <a:t>karena</a:t>
+            </a:r>
+            <a:r>
+              <a:rPr lang="en-US" dirty="0"/>
+              <a:t> </a:t>
+            </a:r>
+            <a:r>
+              <a:rPr lang="en-US" dirty="0" err="1"/>
+              <a:t>penggunaan</a:t>
+            </a:r>
+            <a:r>
+              <a:rPr lang="en-US" dirty="0"/>
+              <a:t> hardware </a:t>
+            </a:r>
+            <a:r>
+              <a:rPr lang="en-US" dirty="0" err="1"/>
+              <a:t>untuk</a:t>
+            </a:r>
+            <a:r>
+              <a:rPr lang="en-US" dirty="0"/>
+              <a:t> </a:t>
+            </a:r>
+            <a:r>
+              <a:rPr lang="en-US" dirty="0" err="1"/>
+              <a:t>melakukan</a:t>
+            </a:r>
+            <a:r>
+              <a:rPr lang="en-US" dirty="0"/>
+              <a:t> Mining).</a:t>
+            </a:r>
+          </a:p>
+        </p:txBody>
+      </p:sp>
+    </p:spTree>
+    <p:extLst>
+      <p:ext uri="{BB962C8B-B14F-4D97-AF65-F5344CB8AC3E}">
+        <p14:creationId xmlns:p14="http://schemas.microsoft.com/office/powerpoint/2010/main" val="2090330722"/>
+      </p:ext>
+    </p:extLst>
+  </p:cSld>
+  <p:clrMapOvr>
+    <a:masterClrMapping/>
+  </p:clrMapOvr>
+  <p:timing>
+    <p:tnLst>
+      <p:par>
+        <p:cTn id="1" dur="indefinite" restart="never" nodeType="tmRoot"/>
+      </p:par>
+    </p:tnLst>
+  </p:timing>
 </p:sld>
 </file>
 
@@ -4550,7 +4689,7 @@
           <a:p>
             <a:r>
               <a:rPr lang="en-US" dirty="0" smtClean="0"/>
-              <a:t>FITUR</a:t>
+              <a:t>RENCANA SAMPAI DENGAN UTS</a:t>
             </a:r>
             <a:endParaRPr lang="en-US" dirty="0"/>
           </a:p>
@@ -4572,335 +4711,16 @@
           <a:lstStyle/>
           <a:p>
             <a:r>
-              <a:rPr lang="en-US" dirty="0" err="1"/>
-              <a:t>Pada</a:t>
-            </a:r>
-            <a:r>
-              <a:rPr lang="en-US" dirty="0"/>
-              <a:t> </a:t>
-            </a:r>
-            <a:r>
-              <a:rPr lang="en-US" dirty="0" err="1"/>
-              <a:t>aplikasi</a:t>
-            </a:r>
-            <a:r>
-              <a:rPr lang="en-US" dirty="0"/>
-              <a:t> yang </a:t>
-            </a:r>
-            <a:r>
-              <a:rPr lang="en-US" dirty="0" err="1"/>
-              <a:t>akan</a:t>
-            </a:r>
-            <a:r>
-              <a:rPr lang="en-US" dirty="0"/>
-              <a:t> kami </a:t>
-            </a:r>
-            <a:r>
-              <a:rPr lang="en-US" dirty="0" err="1"/>
-              <a:t>buat</a:t>
-            </a:r>
-            <a:r>
-              <a:rPr lang="en-US" dirty="0"/>
-              <a:t> </a:t>
-            </a:r>
-            <a:r>
-              <a:rPr lang="en-US" dirty="0" err="1"/>
-              <a:t>terdapat</a:t>
-            </a:r>
-            <a:r>
-              <a:rPr lang="en-US" dirty="0"/>
-              <a:t> </a:t>
-            </a:r>
-            <a:r>
-              <a:rPr lang="en-US" dirty="0" err="1"/>
-              <a:t>beberapa</a:t>
-            </a:r>
-            <a:r>
-              <a:rPr lang="en-US" dirty="0"/>
-              <a:t> </a:t>
-            </a:r>
-            <a:r>
-              <a:rPr lang="en-US" dirty="0" err="1"/>
-              <a:t>fitur</a:t>
-            </a:r>
-            <a:r>
-              <a:rPr lang="en-US" dirty="0"/>
-              <a:t> </a:t>
-            </a:r>
-            <a:r>
-              <a:rPr lang="en-US" dirty="0" err="1"/>
-              <a:t>diantaranya</a:t>
-            </a:r>
-            <a:r>
-              <a:rPr lang="en-US" dirty="0"/>
-              <a:t> </a:t>
-            </a:r>
-            <a:r>
-              <a:rPr lang="en-US" dirty="0" err="1"/>
-              <a:t>adalah</a:t>
-            </a:r>
-            <a:r>
-              <a:rPr lang="en-US" dirty="0"/>
-              <a:t> : </a:t>
-            </a:r>
-          </a:p>
-          <a:p>
-            <a:pPr lvl="0"/>
-            <a:r>
-              <a:rPr lang="en-US" dirty="0" err="1"/>
-              <a:t>Seputar</a:t>
-            </a:r>
-            <a:r>
-              <a:rPr lang="en-US" dirty="0"/>
-              <a:t>(</a:t>
-            </a:r>
-            <a:r>
-              <a:rPr lang="en-US" dirty="0" err="1"/>
-              <a:t>informasi</a:t>
-            </a:r>
-            <a:r>
-              <a:rPr lang="en-US" dirty="0"/>
-              <a:t> </a:t>
-            </a:r>
-            <a:r>
-              <a:rPr lang="en-US" dirty="0" err="1"/>
-              <a:t>singkat</a:t>
-            </a:r>
-            <a:r>
-              <a:rPr lang="en-US" dirty="0"/>
-              <a:t>) </a:t>
-            </a:r>
-            <a:r>
               <a:rPr lang="en-US" dirty="0" smtClean="0"/>
-              <a:t>cryptocurrency.</a:t>
-            </a:r>
-            <a:endParaRPr lang="en-US" dirty="0"/>
-          </a:p>
-          <a:p>
-            <a:pPr lvl="0"/>
-            <a:r>
-              <a:rPr lang="en-US" dirty="0" err="1"/>
-              <a:t>Sistem</a:t>
-            </a:r>
-            <a:r>
-              <a:rPr lang="en-US" dirty="0"/>
-              <a:t> </a:t>
-            </a:r>
-            <a:r>
-              <a:rPr lang="en-US" dirty="0" err="1"/>
-              <a:t>pembanding</a:t>
-            </a:r>
-            <a:r>
-              <a:rPr lang="en-US" dirty="0"/>
-              <a:t> </a:t>
-            </a:r>
-            <a:r>
-              <a:rPr lang="en-US" dirty="0" err="1"/>
-              <a:t>antara</a:t>
-            </a:r>
-            <a:r>
-              <a:rPr lang="en-US" dirty="0"/>
-              <a:t> cryptocurrency </a:t>
-            </a:r>
-            <a:r>
-              <a:rPr lang="en-US" dirty="0" err="1"/>
-              <a:t>satu</a:t>
-            </a:r>
-            <a:r>
-              <a:rPr lang="en-US" dirty="0"/>
-              <a:t> </a:t>
-            </a:r>
-            <a:r>
-              <a:rPr lang="en-US" dirty="0" err="1"/>
-              <a:t>dan</a:t>
-            </a:r>
-            <a:r>
-              <a:rPr lang="en-US" dirty="0"/>
-              <a:t> </a:t>
-            </a:r>
-            <a:r>
-              <a:rPr lang="en-US" dirty="0" err="1"/>
-              <a:t>lainnya</a:t>
-            </a:r>
-            <a:r>
-              <a:rPr lang="en-US" dirty="0"/>
-              <a:t>.</a:t>
-            </a:r>
-          </a:p>
-          <a:p>
-            <a:pPr lvl="0"/>
-            <a:r>
-              <a:rPr lang="en-US" dirty="0" err="1" smtClean="0"/>
-              <a:t>Informasi</a:t>
+              <a:t>MENDALAMI</a:t>
             </a:r>
             <a:r>
               <a:rPr lang="en-US" dirty="0" smtClean="0"/>
               <a:t> </a:t>
             </a:r>
             <a:r>
-              <a:rPr lang="en-US" dirty="0" err="1" smtClean="0"/>
-              <a:t>mengenai</a:t>
-            </a:r>
-            <a:r>
               <a:rPr lang="en-US" dirty="0" smtClean="0"/>
-              <a:t> </a:t>
-            </a:r>
-            <a:r>
-              <a:rPr lang="en-US" dirty="0" err="1"/>
-              <a:t>transaksi</a:t>
-            </a:r>
-            <a:r>
-              <a:rPr lang="en-US" dirty="0"/>
-              <a:t> </a:t>
-            </a:r>
-            <a:r>
-              <a:rPr lang="en-US" dirty="0" err="1"/>
-              <a:t>dan</a:t>
-            </a:r>
-            <a:r>
-              <a:rPr lang="en-US" dirty="0"/>
-              <a:t> trading cryptocurrency</a:t>
-            </a:r>
-          </a:p>
-          <a:p>
-            <a:pPr lvl="0"/>
-            <a:r>
-              <a:rPr lang="en-US" dirty="0"/>
-              <a:t>Recommender Trading.</a:t>
-            </a:r>
-          </a:p>
-          <a:p>
-            <a:pPr lvl="0"/>
-            <a:r>
-              <a:rPr lang="en-US" dirty="0" err="1"/>
-              <a:t>Dampak</a:t>
-            </a:r>
-            <a:r>
-              <a:rPr lang="en-US" dirty="0"/>
-              <a:t> </a:t>
-            </a:r>
-            <a:r>
-              <a:rPr lang="en-US" dirty="0" err="1"/>
-              <a:t>terhadap</a:t>
-            </a:r>
-            <a:r>
-              <a:rPr lang="en-US" dirty="0"/>
-              <a:t> </a:t>
-            </a:r>
-            <a:r>
-              <a:rPr lang="en-US" dirty="0" err="1"/>
-              <a:t>pasar</a:t>
-            </a:r>
-            <a:r>
-              <a:rPr lang="en-US" dirty="0"/>
-              <a:t> hardware (</a:t>
-            </a:r>
-            <a:r>
-              <a:rPr lang="en-US" dirty="0" err="1"/>
-              <a:t>karena</a:t>
-            </a:r>
-            <a:r>
-              <a:rPr lang="en-US" dirty="0"/>
-              <a:t> </a:t>
-            </a:r>
-            <a:r>
-              <a:rPr lang="en-US" dirty="0" err="1"/>
-              <a:t>penggunaan</a:t>
-            </a:r>
-            <a:r>
-              <a:rPr lang="en-US" dirty="0"/>
-              <a:t> hardware </a:t>
-            </a:r>
-            <a:r>
-              <a:rPr lang="en-US" dirty="0" err="1"/>
-              <a:t>untuk</a:t>
-            </a:r>
-            <a:r>
-              <a:rPr lang="en-US" dirty="0"/>
-              <a:t> </a:t>
-            </a:r>
-            <a:r>
-              <a:rPr lang="en-US" dirty="0" err="1"/>
-              <a:t>melakukan</a:t>
-            </a:r>
-            <a:r>
-              <a:rPr lang="en-US" dirty="0"/>
-              <a:t> Mining).</a:t>
-            </a:r>
-          </a:p>
-        </p:txBody>
-      </p:sp>
-    </p:spTree>
-    <p:extLst>
-      <p:ext uri="{BB962C8B-B14F-4D97-AF65-F5344CB8AC3E}">
-        <p14:creationId xmlns:p14="http://schemas.microsoft.com/office/powerpoint/2010/main" val="2090330722"/>
-      </p:ext>
-    </p:extLst>
-  </p:cSld>
-  <p:clrMapOvr>
-    <a:masterClrMapping/>
-  </p:clrMapOvr>
-</p:sld>
-</file>
-
-<file path=ppt/slides/slide7.xml><?xml version="1.0" encoding="utf-8"?>
-<p:sld xmlns:a="http://schemas.openxmlformats.org/drawingml/2006/main" xmlns:r="http://schemas.openxmlformats.org/officeDocument/2006/relationships" xmlns:p="http://schemas.openxmlformats.org/presentationml/2006/main">
-  <p:cSld>
-    <p:spTree>
-      <p:nvGrpSpPr>
-        <p:cNvPr id="1" name=""/>
-        <p:cNvGrpSpPr/>
-        <p:nvPr/>
-      </p:nvGrpSpPr>
-      <p:grpSpPr>
-        <a:xfrm>
-          <a:off x="0" y="0"/>
-          <a:ext cx="0" cy="0"/>
-          <a:chOff x="0" y="0"/>
-          <a:chExt cx="0" cy="0"/>
-        </a:xfrm>
-      </p:grpSpPr>
-      <p:sp>
-        <p:nvSpPr>
-          <p:cNvPr id="2" name="Title 1"/>
-          <p:cNvSpPr>
-            <a:spLocks noGrp="1"/>
-          </p:cNvSpPr>
-          <p:nvPr>
-            <p:ph type="title"/>
-          </p:nvPr>
-        </p:nvSpPr>
-        <p:spPr/>
-        <p:txBody>
-          <a:bodyPr/>
-          <a:lstStyle/>
-          <a:p>
-            <a:r>
-              <a:rPr lang="en-US" dirty="0" smtClean="0"/>
-              <a:t>RENCANA SAMPAI DENGAN UTS</a:t>
-            </a:r>
-            <a:endParaRPr lang="en-US" dirty="0"/>
-          </a:p>
-        </p:txBody>
-      </p:sp>
-      <p:sp>
-        <p:nvSpPr>
-          <p:cNvPr id="3" name="Content Placeholder 2"/>
-          <p:cNvSpPr>
-            <a:spLocks noGrp="1"/>
-          </p:cNvSpPr>
-          <p:nvPr>
-            <p:ph idx="1"/>
-          </p:nvPr>
-        </p:nvSpPr>
-        <p:spPr/>
-        <p:txBody>
-          <a:bodyPr/>
-          <a:lstStyle/>
-          <a:p>
-            <a:r>
-              <a:rPr lang="en-US" dirty="0" smtClean="0"/>
-              <a:t>MEMPELAJARI PENGGUNAAN WEB CRAWLER</a:t>
+              <a:t>PENGGUNAAN WEB CRAWLER</a:t>
             </a:r>
           </a:p>
           <a:p>
@@ -4911,7 +4731,7 @@
           </a:p>
           <a:p>
             <a:r>
-              <a:rPr lang="en-US" smtClean="0"/>
+              <a:rPr lang="en-US" dirty="0" smtClean="0"/>
               <a:t>MENGUMPULKAN DAN MENGOLAH DATA TENTANG BITCOIN</a:t>
             </a:r>
           </a:p>
@@ -4930,6 +4750,13 @@
   <p:clrMapOvr>
     <a:masterClrMapping/>
   </p:clrMapOvr>
+  <p:timing>
+    <p:tnLst>
+      <p:par>
+        <p:cTn id="1" dur="indefinite" restart="never" nodeType="tmRoot"/>
+      </p:par>
+    </p:tnLst>
+  </p:timing>
 </p:sld>
 </file>
 
